--- a/ppt 16-9/1112.除了耶和华，.pptx
+++ b/ppt 16-9/1112.除了耶和华，.pptx
@@ -5,7 +5,7 @@
     <p:sldMasterId id="2147483648" r:id="rId1"/>
   </p:sldMasterIdLst>
   <p:sldIdLst>
-    <p:sldId id="585" r:id="rId2"/>
+    <p:sldId id="587" r:id="rId2"/>
   </p:sldIdLst>
   <p:sldSz cx="12192000" cy="6858000"/>
   <p:notesSz cx="6858000" cy="9144000"/>
@@ -129,7 +129,7 @@
           <p:cNvPr id="2" name="标题 1">
             <a:extLst>
               <a:ext uri="{FF2B5EF4-FFF2-40B4-BE49-F238E27FC236}">
-                <a16:creationId xmlns:a16="http://schemas.microsoft.com/office/drawing/2014/main" id="{D7BA8089-B567-D94C-FE6B-401CAAFCFE56}"/>
+                <a16:creationId xmlns:a16="http://schemas.microsoft.com/office/drawing/2014/main" id="{1D00A833-4F84-7C77-EBC0-1624833A846E}"/>
               </a:ext>
             </a:extLst>
           </p:cNvPr>
@@ -166,7 +166,7 @@
           <p:cNvPr id="3" name="副标题 2">
             <a:extLst>
               <a:ext uri="{FF2B5EF4-FFF2-40B4-BE49-F238E27FC236}">
-                <a16:creationId xmlns:a16="http://schemas.microsoft.com/office/drawing/2014/main" id="{44C35959-5DE1-2357-C166-529A2D2D3BEE}"/>
+                <a16:creationId xmlns:a16="http://schemas.microsoft.com/office/drawing/2014/main" id="{A16E7FC2-564F-2580-1C1D-6C3B24E587DB}"/>
               </a:ext>
             </a:extLst>
           </p:cNvPr>
@@ -236,7 +236,7 @@
           <p:cNvPr id="4" name="日期占位符 3">
             <a:extLst>
               <a:ext uri="{FF2B5EF4-FFF2-40B4-BE49-F238E27FC236}">
-                <a16:creationId xmlns:a16="http://schemas.microsoft.com/office/drawing/2014/main" id="{79BA4BDD-5D5A-DB4E-95FE-9DF155038F20}"/>
+                <a16:creationId xmlns:a16="http://schemas.microsoft.com/office/drawing/2014/main" id="{5A61E9D3-5EDF-2BC0-9D33-411C2592F4DB}"/>
               </a:ext>
             </a:extLst>
           </p:cNvPr>
@@ -252,7 +252,7 @@
           <a:bodyPr/>
           <a:lstStyle/>
           <a:p>
-            <a:fld id="{A27FBDC4-36B4-4BB0-9892-1B10F46E9EED}" type="datetimeFigureOut">
+            <a:fld id="{2ADAB49A-B5E0-43AC-A6FF-C128E0463F1A}" type="datetimeFigureOut">
               <a:rPr lang="zh-CN" altLang="en-US" smtClean="0"/>
               <a:t>2024/3/10</a:t>
             </a:fld>
@@ -265,7 +265,7 @@
           <p:cNvPr id="5" name="页脚占位符 4">
             <a:extLst>
               <a:ext uri="{FF2B5EF4-FFF2-40B4-BE49-F238E27FC236}">
-                <a16:creationId xmlns:a16="http://schemas.microsoft.com/office/drawing/2014/main" id="{EA696D51-2EA1-34D9-7058-CB37B8F297DE}"/>
+                <a16:creationId xmlns:a16="http://schemas.microsoft.com/office/drawing/2014/main" id="{BD56AE19-9CF6-D053-FA4C-70D2EAF9959B}"/>
               </a:ext>
             </a:extLst>
           </p:cNvPr>
@@ -290,7 +290,7 @@
           <p:cNvPr id="6" name="灯片编号占位符 5">
             <a:extLst>
               <a:ext uri="{FF2B5EF4-FFF2-40B4-BE49-F238E27FC236}">
-                <a16:creationId xmlns:a16="http://schemas.microsoft.com/office/drawing/2014/main" id="{B405845C-70CC-8C48-68CA-11686F918CB2}"/>
+                <a16:creationId xmlns:a16="http://schemas.microsoft.com/office/drawing/2014/main" id="{D8EF9AB7-E3D8-56B8-ED6C-02F660F6C6F3}"/>
               </a:ext>
             </a:extLst>
           </p:cNvPr>
@@ -306,7 +306,7 @@
           <a:bodyPr/>
           <a:lstStyle/>
           <a:p>
-            <a:fld id="{299E0C54-A230-4169-A912-4A6BDD86A7A0}" type="slidenum">
+            <a:fld id="{335FFD86-414F-4512-9ED3-5CCB0F3158AB}" type="slidenum">
               <a:rPr lang="zh-CN" altLang="en-US" smtClean="0"/>
               <a:t>‹#›</a:t>
             </a:fld>
@@ -317,7 +317,7 @@
     </p:spTree>
     <p:extLst>
       <p:ext uri="{BB962C8B-B14F-4D97-AF65-F5344CB8AC3E}">
-        <p14:creationId xmlns:p14="http://schemas.microsoft.com/office/powerpoint/2010/main" val="1871987384"/>
+        <p14:creationId xmlns:p14="http://schemas.microsoft.com/office/powerpoint/2010/main" val="839608649"/>
       </p:ext>
     </p:extLst>
   </p:cSld>
@@ -349,7 +349,7 @@
           <p:cNvPr id="2" name="标题 1">
             <a:extLst>
               <a:ext uri="{FF2B5EF4-FFF2-40B4-BE49-F238E27FC236}">
-                <a16:creationId xmlns:a16="http://schemas.microsoft.com/office/drawing/2014/main" id="{C6271C55-A54C-8990-307C-CF1C353ECCC8}"/>
+                <a16:creationId xmlns:a16="http://schemas.microsoft.com/office/drawing/2014/main" id="{BD92F68C-E011-457C-80E1-9B527F580863}"/>
               </a:ext>
             </a:extLst>
           </p:cNvPr>
@@ -377,7 +377,7 @@
           <p:cNvPr id="3" name="竖排文字占位符 2">
             <a:extLst>
               <a:ext uri="{FF2B5EF4-FFF2-40B4-BE49-F238E27FC236}">
-                <a16:creationId xmlns:a16="http://schemas.microsoft.com/office/drawing/2014/main" id="{41826C72-02FA-20C4-5A23-8C5A1D25F040}"/>
+                <a16:creationId xmlns:a16="http://schemas.microsoft.com/office/drawing/2014/main" id="{72F3CE49-302F-F0E1-A86F-EEC96B4C72BD}"/>
               </a:ext>
             </a:extLst>
           </p:cNvPr>
@@ -434,7 +434,7 @@
           <p:cNvPr id="4" name="日期占位符 3">
             <a:extLst>
               <a:ext uri="{FF2B5EF4-FFF2-40B4-BE49-F238E27FC236}">
-                <a16:creationId xmlns:a16="http://schemas.microsoft.com/office/drawing/2014/main" id="{8AA84423-F731-D51F-BBD4-770582F6EC78}"/>
+                <a16:creationId xmlns:a16="http://schemas.microsoft.com/office/drawing/2014/main" id="{F1147C74-5AA7-2C58-C2FB-169B3078B096}"/>
               </a:ext>
             </a:extLst>
           </p:cNvPr>
@@ -450,7 +450,7 @@
           <a:bodyPr/>
           <a:lstStyle/>
           <a:p>
-            <a:fld id="{A27FBDC4-36B4-4BB0-9892-1B10F46E9EED}" type="datetimeFigureOut">
+            <a:fld id="{2ADAB49A-B5E0-43AC-A6FF-C128E0463F1A}" type="datetimeFigureOut">
               <a:rPr lang="zh-CN" altLang="en-US" smtClean="0"/>
               <a:t>2024/3/10</a:t>
             </a:fld>
@@ -463,7 +463,7 @@
           <p:cNvPr id="5" name="页脚占位符 4">
             <a:extLst>
               <a:ext uri="{FF2B5EF4-FFF2-40B4-BE49-F238E27FC236}">
-                <a16:creationId xmlns:a16="http://schemas.microsoft.com/office/drawing/2014/main" id="{FBA20677-6884-FBF9-ACDC-AD0D217DEDD2}"/>
+                <a16:creationId xmlns:a16="http://schemas.microsoft.com/office/drawing/2014/main" id="{CF85A75F-33A5-2F93-9AAA-E97D3A95D3EA}"/>
               </a:ext>
             </a:extLst>
           </p:cNvPr>
@@ -488,7 +488,7 @@
           <p:cNvPr id="6" name="灯片编号占位符 5">
             <a:extLst>
               <a:ext uri="{FF2B5EF4-FFF2-40B4-BE49-F238E27FC236}">
-                <a16:creationId xmlns:a16="http://schemas.microsoft.com/office/drawing/2014/main" id="{4905F87C-B675-5853-3AEF-CDF2177B3FFB}"/>
+                <a16:creationId xmlns:a16="http://schemas.microsoft.com/office/drawing/2014/main" id="{57298AC4-5979-6C99-E039-44DB4A9E0717}"/>
               </a:ext>
             </a:extLst>
           </p:cNvPr>
@@ -504,7 +504,7 @@
           <a:bodyPr/>
           <a:lstStyle/>
           <a:p>
-            <a:fld id="{299E0C54-A230-4169-A912-4A6BDD86A7A0}" type="slidenum">
+            <a:fld id="{335FFD86-414F-4512-9ED3-5CCB0F3158AB}" type="slidenum">
               <a:rPr lang="zh-CN" altLang="en-US" smtClean="0"/>
               <a:t>‹#›</a:t>
             </a:fld>
@@ -515,7 +515,7 @@
     </p:spTree>
     <p:extLst>
       <p:ext uri="{BB962C8B-B14F-4D97-AF65-F5344CB8AC3E}">
-        <p14:creationId xmlns:p14="http://schemas.microsoft.com/office/powerpoint/2010/main" val="1515011358"/>
+        <p14:creationId xmlns:p14="http://schemas.microsoft.com/office/powerpoint/2010/main" val="3506747933"/>
       </p:ext>
     </p:extLst>
   </p:cSld>
@@ -547,7 +547,7 @@
           <p:cNvPr id="2" name="竖排标题 1">
             <a:extLst>
               <a:ext uri="{FF2B5EF4-FFF2-40B4-BE49-F238E27FC236}">
-                <a16:creationId xmlns:a16="http://schemas.microsoft.com/office/drawing/2014/main" id="{C136F824-49C7-2268-66F6-8F9E6EC12311}"/>
+                <a16:creationId xmlns:a16="http://schemas.microsoft.com/office/drawing/2014/main" id="{3F828DBA-32FE-45D4-5FED-2D034B69F40D}"/>
               </a:ext>
             </a:extLst>
           </p:cNvPr>
@@ -580,7 +580,7 @@
           <p:cNvPr id="3" name="竖排文字占位符 2">
             <a:extLst>
               <a:ext uri="{FF2B5EF4-FFF2-40B4-BE49-F238E27FC236}">
-                <a16:creationId xmlns:a16="http://schemas.microsoft.com/office/drawing/2014/main" id="{904B77E3-1CBA-04C6-F448-9A6A54C97D31}"/>
+                <a16:creationId xmlns:a16="http://schemas.microsoft.com/office/drawing/2014/main" id="{C185DE8D-3EA9-D817-D9A5-3AA4F687DC3A}"/>
               </a:ext>
             </a:extLst>
           </p:cNvPr>
@@ -642,7 +642,7 @@
           <p:cNvPr id="4" name="日期占位符 3">
             <a:extLst>
               <a:ext uri="{FF2B5EF4-FFF2-40B4-BE49-F238E27FC236}">
-                <a16:creationId xmlns:a16="http://schemas.microsoft.com/office/drawing/2014/main" id="{89A4A47E-D256-56CD-8C2D-6207B8DCD708}"/>
+                <a16:creationId xmlns:a16="http://schemas.microsoft.com/office/drawing/2014/main" id="{D0478896-3470-8E58-FA33-C1CEEC0E948B}"/>
               </a:ext>
             </a:extLst>
           </p:cNvPr>
@@ -658,7 +658,7 @@
           <a:bodyPr/>
           <a:lstStyle/>
           <a:p>
-            <a:fld id="{A27FBDC4-36B4-4BB0-9892-1B10F46E9EED}" type="datetimeFigureOut">
+            <a:fld id="{2ADAB49A-B5E0-43AC-A6FF-C128E0463F1A}" type="datetimeFigureOut">
               <a:rPr lang="zh-CN" altLang="en-US" smtClean="0"/>
               <a:t>2024/3/10</a:t>
             </a:fld>
@@ -671,7 +671,7 @@
           <p:cNvPr id="5" name="页脚占位符 4">
             <a:extLst>
               <a:ext uri="{FF2B5EF4-FFF2-40B4-BE49-F238E27FC236}">
-                <a16:creationId xmlns:a16="http://schemas.microsoft.com/office/drawing/2014/main" id="{15224997-6866-49F1-7759-E894CD20BE54}"/>
+                <a16:creationId xmlns:a16="http://schemas.microsoft.com/office/drawing/2014/main" id="{68654E4A-11F1-10CF-EF33-7386698EEB8A}"/>
               </a:ext>
             </a:extLst>
           </p:cNvPr>
@@ -696,7 +696,7 @@
           <p:cNvPr id="6" name="灯片编号占位符 5">
             <a:extLst>
               <a:ext uri="{FF2B5EF4-FFF2-40B4-BE49-F238E27FC236}">
-                <a16:creationId xmlns:a16="http://schemas.microsoft.com/office/drawing/2014/main" id="{7EE9D3A4-3A7D-6A75-D100-14CA53A2B4A5}"/>
+                <a16:creationId xmlns:a16="http://schemas.microsoft.com/office/drawing/2014/main" id="{F9033131-7ADC-185C-5EBB-B1B47C6010F9}"/>
               </a:ext>
             </a:extLst>
           </p:cNvPr>
@@ -712,7 +712,7 @@
           <a:bodyPr/>
           <a:lstStyle/>
           <a:p>
-            <a:fld id="{299E0C54-A230-4169-A912-4A6BDD86A7A0}" type="slidenum">
+            <a:fld id="{335FFD86-414F-4512-9ED3-5CCB0F3158AB}" type="slidenum">
               <a:rPr lang="zh-CN" altLang="en-US" smtClean="0"/>
               <a:t>‹#›</a:t>
             </a:fld>
@@ -723,7 +723,7 @@
     </p:spTree>
     <p:extLst>
       <p:ext uri="{BB962C8B-B14F-4D97-AF65-F5344CB8AC3E}">
-        <p14:creationId xmlns:p14="http://schemas.microsoft.com/office/powerpoint/2010/main" val="2635818216"/>
+        <p14:creationId xmlns:p14="http://schemas.microsoft.com/office/powerpoint/2010/main" val="2280173629"/>
       </p:ext>
     </p:extLst>
   </p:cSld>
@@ -755,7 +755,7 @@
           <p:cNvPr id="2" name="标题 1">
             <a:extLst>
               <a:ext uri="{FF2B5EF4-FFF2-40B4-BE49-F238E27FC236}">
-                <a16:creationId xmlns:a16="http://schemas.microsoft.com/office/drawing/2014/main" id="{7E139E03-9A10-E5E4-918B-F5F38B494A9F}"/>
+                <a16:creationId xmlns:a16="http://schemas.microsoft.com/office/drawing/2014/main" id="{F8A7943B-6A9F-FCF1-F706-F0FBA3D6CE30}"/>
               </a:ext>
             </a:extLst>
           </p:cNvPr>
@@ -783,7 +783,7 @@
           <p:cNvPr id="3" name="内容占位符 2">
             <a:extLst>
               <a:ext uri="{FF2B5EF4-FFF2-40B4-BE49-F238E27FC236}">
-                <a16:creationId xmlns:a16="http://schemas.microsoft.com/office/drawing/2014/main" id="{74C6C691-F868-ED6A-A9C9-99B47F31FBAD}"/>
+                <a16:creationId xmlns:a16="http://schemas.microsoft.com/office/drawing/2014/main" id="{55373CA8-26CA-803A-7D48-0C093D2C2479}"/>
               </a:ext>
             </a:extLst>
           </p:cNvPr>
@@ -840,7 +840,7 @@
           <p:cNvPr id="4" name="日期占位符 3">
             <a:extLst>
               <a:ext uri="{FF2B5EF4-FFF2-40B4-BE49-F238E27FC236}">
-                <a16:creationId xmlns:a16="http://schemas.microsoft.com/office/drawing/2014/main" id="{425C2355-08E0-B4D2-E4C4-D98251C643B5}"/>
+                <a16:creationId xmlns:a16="http://schemas.microsoft.com/office/drawing/2014/main" id="{325A3617-89B9-9009-4D75-BEDC20732ACC}"/>
               </a:ext>
             </a:extLst>
           </p:cNvPr>
@@ -856,7 +856,7 @@
           <a:bodyPr/>
           <a:lstStyle/>
           <a:p>
-            <a:fld id="{A27FBDC4-36B4-4BB0-9892-1B10F46E9EED}" type="datetimeFigureOut">
+            <a:fld id="{2ADAB49A-B5E0-43AC-A6FF-C128E0463F1A}" type="datetimeFigureOut">
               <a:rPr lang="zh-CN" altLang="en-US" smtClean="0"/>
               <a:t>2024/3/10</a:t>
             </a:fld>
@@ -869,7 +869,7 @@
           <p:cNvPr id="5" name="页脚占位符 4">
             <a:extLst>
               <a:ext uri="{FF2B5EF4-FFF2-40B4-BE49-F238E27FC236}">
-                <a16:creationId xmlns:a16="http://schemas.microsoft.com/office/drawing/2014/main" id="{C86A434C-B387-BC5E-79AD-56CDD3A2A4AD}"/>
+                <a16:creationId xmlns:a16="http://schemas.microsoft.com/office/drawing/2014/main" id="{D1E50A0A-B547-E3CD-0133-5E9AE8488772}"/>
               </a:ext>
             </a:extLst>
           </p:cNvPr>
@@ -894,7 +894,7 @@
           <p:cNvPr id="6" name="灯片编号占位符 5">
             <a:extLst>
               <a:ext uri="{FF2B5EF4-FFF2-40B4-BE49-F238E27FC236}">
-                <a16:creationId xmlns:a16="http://schemas.microsoft.com/office/drawing/2014/main" id="{66C42690-A206-4E63-7D35-D32FBEEFE886}"/>
+                <a16:creationId xmlns:a16="http://schemas.microsoft.com/office/drawing/2014/main" id="{E9255298-BFA4-E33B-F65A-E1BEAFF5BA54}"/>
               </a:ext>
             </a:extLst>
           </p:cNvPr>
@@ -910,7 +910,7 @@
           <a:bodyPr/>
           <a:lstStyle/>
           <a:p>
-            <a:fld id="{299E0C54-A230-4169-A912-4A6BDD86A7A0}" type="slidenum">
+            <a:fld id="{335FFD86-414F-4512-9ED3-5CCB0F3158AB}" type="slidenum">
               <a:rPr lang="zh-CN" altLang="en-US" smtClean="0"/>
               <a:t>‹#›</a:t>
             </a:fld>
@@ -921,7 +921,7 @@
     </p:spTree>
     <p:extLst>
       <p:ext uri="{BB962C8B-B14F-4D97-AF65-F5344CB8AC3E}">
-        <p14:creationId xmlns:p14="http://schemas.microsoft.com/office/powerpoint/2010/main" val="2214851804"/>
+        <p14:creationId xmlns:p14="http://schemas.microsoft.com/office/powerpoint/2010/main" val="3357428606"/>
       </p:ext>
     </p:extLst>
   </p:cSld>
@@ -953,7 +953,7 @@
           <p:cNvPr id="2" name="标题 1">
             <a:extLst>
               <a:ext uri="{FF2B5EF4-FFF2-40B4-BE49-F238E27FC236}">
-                <a16:creationId xmlns:a16="http://schemas.microsoft.com/office/drawing/2014/main" id="{0021DF77-7EC1-D504-AF8B-206DDDF333B9}"/>
+                <a16:creationId xmlns:a16="http://schemas.microsoft.com/office/drawing/2014/main" id="{6558F61F-CD2A-0C82-3820-DDB600EFAB02}"/>
               </a:ext>
             </a:extLst>
           </p:cNvPr>
@@ -990,7 +990,7 @@
           <p:cNvPr id="3" name="文本占位符 2">
             <a:extLst>
               <a:ext uri="{FF2B5EF4-FFF2-40B4-BE49-F238E27FC236}">
-                <a16:creationId xmlns:a16="http://schemas.microsoft.com/office/drawing/2014/main" id="{DDD0ED34-C417-5677-2172-38BCE8C44282}"/>
+                <a16:creationId xmlns:a16="http://schemas.microsoft.com/office/drawing/2014/main" id="{632C3356-7A6F-7988-3FC2-B46748F33A31}"/>
               </a:ext>
             </a:extLst>
           </p:cNvPr>
@@ -1115,7 +1115,7 @@
           <p:cNvPr id="4" name="日期占位符 3">
             <a:extLst>
               <a:ext uri="{FF2B5EF4-FFF2-40B4-BE49-F238E27FC236}">
-                <a16:creationId xmlns:a16="http://schemas.microsoft.com/office/drawing/2014/main" id="{7D85AC5E-B975-2B4F-64A3-76DD0DAB5182}"/>
+                <a16:creationId xmlns:a16="http://schemas.microsoft.com/office/drawing/2014/main" id="{A20AAAE6-658F-6804-21D2-29F22C3801B5}"/>
               </a:ext>
             </a:extLst>
           </p:cNvPr>
@@ -1131,7 +1131,7 @@
           <a:bodyPr/>
           <a:lstStyle/>
           <a:p>
-            <a:fld id="{A27FBDC4-36B4-4BB0-9892-1B10F46E9EED}" type="datetimeFigureOut">
+            <a:fld id="{2ADAB49A-B5E0-43AC-A6FF-C128E0463F1A}" type="datetimeFigureOut">
               <a:rPr lang="zh-CN" altLang="en-US" smtClean="0"/>
               <a:t>2024/3/10</a:t>
             </a:fld>
@@ -1144,7 +1144,7 @@
           <p:cNvPr id="5" name="页脚占位符 4">
             <a:extLst>
               <a:ext uri="{FF2B5EF4-FFF2-40B4-BE49-F238E27FC236}">
-                <a16:creationId xmlns:a16="http://schemas.microsoft.com/office/drawing/2014/main" id="{4B53E6A1-F416-7CF7-2C95-F99F05467B7E}"/>
+                <a16:creationId xmlns:a16="http://schemas.microsoft.com/office/drawing/2014/main" id="{AF4A2B3A-6F1F-93B2-5946-5E2A876E0F3E}"/>
               </a:ext>
             </a:extLst>
           </p:cNvPr>
@@ -1169,7 +1169,7 @@
           <p:cNvPr id="6" name="灯片编号占位符 5">
             <a:extLst>
               <a:ext uri="{FF2B5EF4-FFF2-40B4-BE49-F238E27FC236}">
-                <a16:creationId xmlns:a16="http://schemas.microsoft.com/office/drawing/2014/main" id="{63071FA2-7A57-C3CE-6ABC-3643938B6143}"/>
+                <a16:creationId xmlns:a16="http://schemas.microsoft.com/office/drawing/2014/main" id="{A0A4EE12-6B05-DF50-97F1-C063A2FAF52C}"/>
               </a:ext>
             </a:extLst>
           </p:cNvPr>
@@ -1185,7 +1185,7 @@
           <a:bodyPr/>
           <a:lstStyle/>
           <a:p>
-            <a:fld id="{299E0C54-A230-4169-A912-4A6BDD86A7A0}" type="slidenum">
+            <a:fld id="{335FFD86-414F-4512-9ED3-5CCB0F3158AB}" type="slidenum">
               <a:rPr lang="zh-CN" altLang="en-US" smtClean="0"/>
               <a:t>‹#›</a:t>
             </a:fld>
@@ -1196,7 +1196,7 @@
     </p:spTree>
     <p:extLst>
       <p:ext uri="{BB962C8B-B14F-4D97-AF65-F5344CB8AC3E}">
-        <p14:creationId xmlns:p14="http://schemas.microsoft.com/office/powerpoint/2010/main" val="284027086"/>
+        <p14:creationId xmlns:p14="http://schemas.microsoft.com/office/powerpoint/2010/main" val="2812412102"/>
       </p:ext>
     </p:extLst>
   </p:cSld>
@@ -1228,7 +1228,7 @@
           <p:cNvPr id="2" name="标题 1">
             <a:extLst>
               <a:ext uri="{FF2B5EF4-FFF2-40B4-BE49-F238E27FC236}">
-                <a16:creationId xmlns:a16="http://schemas.microsoft.com/office/drawing/2014/main" id="{C0EE89DE-E926-3A14-77DE-EBA2B64B4848}"/>
+                <a16:creationId xmlns:a16="http://schemas.microsoft.com/office/drawing/2014/main" id="{A651E6DF-A36E-47C1-B91F-02F642229B2D}"/>
               </a:ext>
             </a:extLst>
           </p:cNvPr>
@@ -1256,7 +1256,7 @@
           <p:cNvPr id="3" name="内容占位符 2">
             <a:extLst>
               <a:ext uri="{FF2B5EF4-FFF2-40B4-BE49-F238E27FC236}">
-                <a16:creationId xmlns:a16="http://schemas.microsoft.com/office/drawing/2014/main" id="{CA63BB1A-8315-51CB-68AB-0516E4C029FD}"/>
+                <a16:creationId xmlns:a16="http://schemas.microsoft.com/office/drawing/2014/main" id="{57F63BEC-4934-7269-108E-46B2AF58FBD7}"/>
               </a:ext>
             </a:extLst>
           </p:cNvPr>
@@ -1318,7 +1318,7 @@
           <p:cNvPr id="4" name="内容占位符 3">
             <a:extLst>
               <a:ext uri="{FF2B5EF4-FFF2-40B4-BE49-F238E27FC236}">
-                <a16:creationId xmlns:a16="http://schemas.microsoft.com/office/drawing/2014/main" id="{188F68E6-4A82-4DF7-24B6-43E4862FA628}"/>
+                <a16:creationId xmlns:a16="http://schemas.microsoft.com/office/drawing/2014/main" id="{89DB419D-B8C3-8003-A63E-4DE4767F58C2}"/>
               </a:ext>
             </a:extLst>
           </p:cNvPr>
@@ -1380,7 +1380,7 @@
           <p:cNvPr id="5" name="日期占位符 4">
             <a:extLst>
               <a:ext uri="{FF2B5EF4-FFF2-40B4-BE49-F238E27FC236}">
-                <a16:creationId xmlns:a16="http://schemas.microsoft.com/office/drawing/2014/main" id="{91A7D205-3079-1204-53C0-FB85EC4ECFF4}"/>
+                <a16:creationId xmlns:a16="http://schemas.microsoft.com/office/drawing/2014/main" id="{658D5E71-DF9F-CDBC-A0AC-9050F94CB4EA}"/>
               </a:ext>
             </a:extLst>
           </p:cNvPr>
@@ -1396,7 +1396,7 @@
           <a:bodyPr/>
           <a:lstStyle/>
           <a:p>
-            <a:fld id="{A27FBDC4-36B4-4BB0-9892-1B10F46E9EED}" type="datetimeFigureOut">
+            <a:fld id="{2ADAB49A-B5E0-43AC-A6FF-C128E0463F1A}" type="datetimeFigureOut">
               <a:rPr lang="zh-CN" altLang="en-US" smtClean="0"/>
               <a:t>2024/3/10</a:t>
             </a:fld>
@@ -1409,7 +1409,7 @@
           <p:cNvPr id="6" name="页脚占位符 5">
             <a:extLst>
               <a:ext uri="{FF2B5EF4-FFF2-40B4-BE49-F238E27FC236}">
-                <a16:creationId xmlns:a16="http://schemas.microsoft.com/office/drawing/2014/main" id="{7C6D910F-1B38-D569-6F29-4C0968E337C7}"/>
+                <a16:creationId xmlns:a16="http://schemas.microsoft.com/office/drawing/2014/main" id="{83454C32-5387-588F-15B8-9D57DC249EDA}"/>
               </a:ext>
             </a:extLst>
           </p:cNvPr>
@@ -1434,7 +1434,7 @@
           <p:cNvPr id="7" name="灯片编号占位符 6">
             <a:extLst>
               <a:ext uri="{FF2B5EF4-FFF2-40B4-BE49-F238E27FC236}">
-                <a16:creationId xmlns:a16="http://schemas.microsoft.com/office/drawing/2014/main" id="{DC5BFBE1-E725-DF00-C227-68F777F47F01}"/>
+                <a16:creationId xmlns:a16="http://schemas.microsoft.com/office/drawing/2014/main" id="{A914563A-B5F1-AC64-1361-B74C16EA9DEF}"/>
               </a:ext>
             </a:extLst>
           </p:cNvPr>
@@ -1450,7 +1450,7 @@
           <a:bodyPr/>
           <a:lstStyle/>
           <a:p>
-            <a:fld id="{299E0C54-A230-4169-A912-4A6BDD86A7A0}" type="slidenum">
+            <a:fld id="{335FFD86-414F-4512-9ED3-5CCB0F3158AB}" type="slidenum">
               <a:rPr lang="zh-CN" altLang="en-US" smtClean="0"/>
               <a:t>‹#›</a:t>
             </a:fld>
@@ -1461,7 +1461,7 @@
     </p:spTree>
     <p:extLst>
       <p:ext uri="{BB962C8B-B14F-4D97-AF65-F5344CB8AC3E}">
-        <p14:creationId xmlns:p14="http://schemas.microsoft.com/office/powerpoint/2010/main" val="2399039661"/>
+        <p14:creationId xmlns:p14="http://schemas.microsoft.com/office/powerpoint/2010/main" val="2550086970"/>
       </p:ext>
     </p:extLst>
   </p:cSld>
@@ -1493,7 +1493,7 @@
           <p:cNvPr id="2" name="标题 1">
             <a:extLst>
               <a:ext uri="{FF2B5EF4-FFF2-40B4-BE49-F238E27FC236}">
-                <a16:creationId xmlns:a16="http://schemas.microsoft.com/office/drawing/2014/main" id="{0C8DCDA2-CBC8-7B42-345E-6EEB05FE4812}"/>
+                <a16:creationId xmlns:a16="http://schemas.microsoft.com/office/drawing/2014/main" id="{73B712F9-B59D-F2E2-12D5-15C69E35103D}"/>
               </a:ext>
             </a:extLst>
           </p:cNvPr>
@@ -1526,7 +1526,7 @@
           <p:cNvPr id="3" name="文本占位符 2">
             <a:extLst>
               <a:ext uri="{FF2B5EF4-FFF2-40B4-BE49-F238E27FC236}">
-                <a16:creationId xmlns:a16="http://schemas.microsoft.com/office/drawing/2014/main" id="{54CABD76-8E65-4736-A0AA-1ABE255B7405}"/>
+                <a16:creationId xmlns:a16="http://schemas.microsoft.com/office/drawing/2014/main" id="{77BB7388-E110-BAAB-CB25-ADBD778AA1E1}"/>
               </a:ext>
             </a:extLst>
           </p:cNvPr>
@@ -1597,7 +1597,7 @@
           <p:cNvPr id="4" name="内容占位符 3">
             <a:extLst>
               <a:ext uri="{FF2B5EF4-FFF2-40B4-BE49-F238E27FC236}">
-                <a16:creationId xmlns:a16="http://schemas.microsoft.com/office/drawing/2014/main" id="{51CA503A-5221-6863-D97A-CE7A0A16A7C2}"/>
+                <a16:creationId xmlns:a16="http://schemas.microsoft.com/office/drawing/2014/main" id="{06BF945E-4D3C-8142-DAED-87674F2D319F}"/>
               </a:ext>
             </a:extLst>
           </p:cNvPr>
@@ -1659,7 +1659,7 @@
           <p:cNvPr id="5" name="文本占位符 4">
             <a:extLst>
               <a:ext uri="{FF2B5EF4-FFF2-40B4-BE49-F238E27FC236}">
-                <a16:creationId xmlns:a16="http://schemas.microsoft.com/office/drawing/2014/main" id="{8A9183D7-B7CD-0283-3266-06E5127EB782}"/>
+                <a16:creationId xmlns:a16="http://schemas.microsoft.com/office/drawing/2014/main" id="{62790115-6923-5547-5310-77DA6C5363D6}"/>
               </a:ext>
             </a:extLst>
           </p:cNvPr>
@@ -1730,7 +1730,7 @@
           <p:cNvPr id="6" name="内容占位符 5">
             <a:extLst>
               <a:ext uri="{FF2B5EF4-FFF2-40B4-BE49-F238E27FC236}">
-                <a16:creationId xmlns:a16="http://schemas.microsoft.com/office/drawing/2014/main" id="{711DDDE1-115C-F992-FCD9-221337331AA9}"/>
+                <a16:creationId xmlns:a16="http://schemas.microsoft.com/office/drawing/2014/main" id="{230F3B53-CA51-E1A2-EE74-B1310A8C8477}"/>
               </a:ext>
             </a:extLst>
           </p:cNvPr>
@@ -1792,7 +1792,7 @@
           <p:cNvPr id="7" name="日期占位符 6">
             <a:extLst>
               <a:ext uri="{FF2B5EF4-FFF2-40B4-BE49-F238E27FC236}">
-                <a16:creationId xmlns:a16="http://schemas.microsoft.com/office/drawing/2014/main" id="{7DD7C135-9912-DDB0-DAB0-B83BD36F29E6}"/>
+                <a16:creationId xmlns:a16="http://schemas.microsoft.com/office/drawing/2014/main" id="{0E32002F-1B1E-8E90-1D21-A96721C22270}"/>
               </a:ext>
             </a:extLst>
           </p:cNvPr>
@@ -1808,7 +1808,7 @@
           <a:bodyPr/>
           <a:lstStyle/>
           <a:p>
-            <a:fld id="{A27FBDC4-36B4-4BB0-9892-1B10F46E9EED}" type="datetimeFigureOut">
+            <a:fld id="{2ADAB49A-B5E0-43AC-A6FF-C128E0463F1A}" type="datetimeFigureOut">
               <a:rPr lang="zh-CN" altLang="en-US" smtClean="0"/>
               <a:t>2024/3/10</a:t>
             </a:fld>
@@ -1821,7 +1821,7 @@
           <p:cNvPr id="8" name="页脚占位符 7">
             <a:extLst>
               <a:ext uri="{FF2B5EF4-FFF2-40B4-BE49-F238E27FC236}">
-                <a16:creationId xmlns:a16="http://schemas.microsoft.com/office/drawing/2014/main" id="{D888FE61-A8D7-0A34-7E0F-8930BFBF1D49}"/>
+                <a16:creationId xmlns:a16="http://schemas.microsoft.com/office/drawing/2014/main" id="{713A8C5F-6E4E-B489-995B-6032EC1AFCCF}"/>
               </a:ext>
             </a:extLst>
           </p:cNvPr>
@@ -1846,7 +1846,7 @@
           <p:cNvPr id="9" name="灯片编号占位符 8">
             <a:extLst>
               <a:ext uri="{FF2B5EF4-FFF2-40B4-BE49-F238E27FC236}">
-                <a16:creationId xmlns:a16="http://schemas.microsoft.com/office/drawing/2014/main" id="{6F17319E-AF44-3475-2B1B-0041998F71EB}"/>
+                <a16:creationId xmlns:a16="http://schemas.microsoft.com/office/drawing/2014/main" id="{28A1B061-1CAD-8DE6-550C-6957C9001147}"/>
               </a:ext>
             </a:extLst>
           </p:cNvPr>
@@ -1862,7 +1862,7 @@
           <a:bodyPr/>
           <a:lstStyle/>
           <a:p>
-            <a:fld id="{299E0C54-A230-4169-A912-4A6BDD86A7A0}" type="slidenum">
+            <a:fld id="{335FFD86-414F-4512-9ED3-5CCB0F3158AB}" type="slidenum">
               <a:rPr lang="zh-CN" altLang="en-US" smtClean="0"/>
               <a:t>‹#›</a:t>
             </a:fld>
@@ -1873,7 +1873,7 @@
     </p:spTree>
     <p:extLst>
       <p:ext uri="{BB962C8B-B14F-4D97-AF65-F5344CB8AC3E}">
-        <p14:creationId xmlns:p14="http://schemas.microsoft.com/office/powerpoint/2010/main" val="1367842316"/>
+        <p14:creationId xmlns:p14="http://schemas.microsoft.com/office/powerpoint/2010/main" val="3978935165"/>
       </p:ext>
     </p:extLst>
   </p:cSld>
@@ -1905,7 +1905,7 @@
           <p:cNvPr id="2" name="标题 1">
             <a:extLst>
               <a:ext uri="{FF2B5EF4-FFF2-40B4-BE49-F238E27FC236}">
-                <a16:creationId xmlns:a16="http://schemas.microsoft.com/office/drawing/2014/main" id="{75B39991-378B-1C2F-DA60-1390BC21C9BB}"/>
+                <a16:creationId xmlns:a16="http://schemas.microsoft.com/office/drawing/2014/main" id="{EF957B1A-E904-4B5A-3292-8C1F090EAD32}"/>
               </a:ext>
             </a:extLst>
           </p:cNvPr>
@@ -1933,7 +1933,7 @@
           <p:cNvPr id="3" name="日期占位符 2">
             <a:extLst>
               <a:ext uri="{FF2B5EF4-FFF2-40B4-BE49-F238E27FC236}">
-                <a16:creationId xmlns:a16="http://schemas.microsoft.com/office/drawing/2014/main" id="{4E612FCA-51D2-ACF4-B0CE-2CD92D30A4FE}"/>
+                <a16:creationId xmlns:a16="http://schemas.microsoft.com/office/drawing/2014/main" id="{96C963F3-B75C-12C7-528D-048C60A1F195}"/>
               </a:ext>
             </a:extLst>
           </p:cNvPr>
@@ -1949,7 +1949,7 @@
           <a:bodyPr/>
           <a:lstStyle/>
           <a:p>
-            <a:fld id="{A27FBDC4-36B4-4BB0-9892-1B10F46E9EED}" type="datetimeFigureOut">
+            <a:fld id="{2ADAB49A-B5E0-43AC-A6FF-C128E0463F1A}" type="datetimeFigureOut">
               <a:rPr lang="zh-CN" altLang="en-US" smtClean="0"/>
               <a:t>2024/3/10</a:t>
             </a:fld>
@@ -1962,7 +1962,7 @@
           <p:cNvPr id="4" name="页脚占位符 3">
             <a:extLst>
               <a:ext uri="{FF2B5EF4-FFF2-40B4-BE49-F238E27FC236}">
-                <a16:creationId xmlns:a16="http://schemas.microsoft.com/office/drawing/2014/main" id="{ECBD13A8-B18E-A9F0-E0E0-92E4E6A8C15F}"/>
+                <a16:creationId xmlns:a16="http://schemas.microsoft.com/office/drawing/2014/main" id="{88033539-8617-6248-11A5-0B238B6BDFCE}"/>
               </a:ext>
             </a:extLst>
           </p:cNvPr>
@@ -1987,7 +1987,7 @@
           <p:cNvPr id="5" name="灯片编号占位符 4">
             <a:extLst>
               <a:ext uri="{FF2B5EF4-FFF2-40B4-BE49-F238E27FC236}">
-                <a16:creationId xmlns:a16="http://schemas.microsoft.com/office/drawing/2014/main" id="{C4DC774F-7FFF-543E-AA20-7A18AA33D241}"/>
+                <a16:creationId xmlns:a16="http://schemas.microsoft.com/office/drawing/2014/main" id="{17048569-F900-A6BF-322A-4A8F00C66C65}"/>
               </a:ext>
             </a:extLst>
           </p:cNvPr>
@@ -2003,7 +2003,7 @@
           <a:bodyPr/>
           <a:lstStyle/>
           <a:p>
-            <a:fld id="{299E0C54-A230-4169-A912-4A6BDD86A7A0}" type="slidenum">
+            <a:fld id="{335FFD86-414F-4512-9ED3-5CCB0F3158AB}" type="slidenum">
               <a:rPr lang="zh-CN" altLang="en-US" smtClean="0"/>
               <a:t>‹#›</a:t>
             </a:fld>
@@ -2014,7 +2014,7 @@
     </p:spTree>
     <p:extLst>
       <p:ext uri="{BB962C8B-B14F-4D97-AF65-F5344CB8AC3E}">
-        <p14:creationId xmlns:p14="http://schemas.microsoft.com/office/powerpoint/2010/main" val="3108016756"/>
+        <p14:creationId xmlns:p14="http://schemas.microsoft.com/office/powerpoint/2010/main" val="3270553783"/>
       </p:ext>
     </p:extLst>
   </p:cSld>
@@ -2046,7 +2046,7 @@
           <p:cNvPr id="2" name="日期占位符 1">
             <a:extLst>
               <a:ext uri="{FF2B5EF4-FFF2-40B4-BE49-F238E27FC236}">
-                <a16:creationId xmlns:a16="http://schemas.microsoft.com/office/drawing/2014/main" id="{35396A6E-960A-A93F-AADA-608D4CE34C5C}"/>
+                <a16:creationId xmlns:a16="http://schemas.microsoft.com/office/drawing/2014/main" id="{0524E36A-6F5B-8523-E313-97063420D53E}"/>
               </a:ext>
             </a:extLst>
           </p:cNvPr>
@@ -2062,7 +2062,7 @@
           <a:bodyPr/>
           <a:lstStyle/>
           <a:p>
-            <a:fld id="{A27FBDC4-36B4-4BB0-9892-1B10F46E9EED}" type="datetimeFigureOut">
+            <a:fld id="{2ADAB49A-B5E0-43AC-A6FF-C128E0463F1A}" type="datetimeFigureOut">
               <a:rPr lang="zh-CN" altLang="en-US" smtClean="0"/>
               <a:t>2024/3/10</a:t>
             </a:fld>
@@ -2075,7 +2075,7 @@
           <p:cNvPr id="3" name="页脚占位符 2">
             <a:extLst>
               <a:ext uri="{FF2B5EF4-FFF2-40B4-BE49-F238E27FC236}">
-                <a16:creationId xmlns:a16="http://schemas.microsoft.com/office/drawing/2014/main" id="{3963FAF0-D80F-C4E7-8A07-FB0791255F53}"/>
+                <a16:creationId xmlns:a16="http://schemas.microsoft.com/office/drawing/2014/main" id="{428C84C6-37AF-474B-0588-B64E33128573}"/>
               </a:ext>
             </a:extLst>
           </p:cNvPr>
@@ -2100,7 +2100,7 @@
           <p:cNvPr id="4" name="灯片编号占位符 3">
             <a:extLst>
               <a:ext uri="{FF2B5EF4-FFF2-40B4-BE49-F238E27FC236}">
-                <a16:creationId xmlns:a16="http://schemas.microsoft.com/office/drawing/2014/main" id="{9DF3E78B-4B1A-D024-E305-ABCF890D9A6A}"/>
+                <a16:creationId xmlns:a16="http://schemas.microsoft.com/office/drawing/2014/main" id="{018FBB84-A956-5279-A58F-D5E64A7EAF6F}"/>
               </a:ext>
             </a:extLst>
           </p:cNvPr>
@@ -2116,7 +2116,7 @@
           <a:bodyPr/>
           <a:lstStyle/>
           <a:p>
-            <a:fld id="{299E0C54-A230-4169-A912-4A6BDD86A7A0}" type="slidenum">
+            <a:fld id="{335FFD86-414F-4512-9ED3-5CCB0F3158AB}" type="slidenum">
               <a:rPr lang="zh-CN" altLang="en-US" smtClean="0"/>
               <a:t>‹#›</a:t>
             </a:fld>
@@ -2127,7 +2127,7 @@
     </p:spTree>
     <p:extLst>
       <p:ext uri="{BB962C8B-B14F-4D97-AF65-F5344CB8AC3E}">
-        <p14:creationId xmlns:p14="http://schemas.microsoft.com/office/powerpoint/2010/main" val="2834613893"/>
+        <p14:creationId xmlns:p14="http://schemas.microsoft.com/office/powerpoint/2010/main" val="53193048"/>
       </p:ext>
     </p:extLst>
   </p:cSld>
@@ -2159,7 +2159,7 @@
           <p:cNvPr id="2" name="标题 1">
             <a:extLst>
               <a:ext uri="{FF2B5EF4-FFF2-40B4-BE49-F238E27FC236}">
-                <a16:creationId xmlns:a16="http://schemas.microsoft.com/office/drawing/2014/main" id="{75DD37F4-585C-9733-635C-45B1234C9FB5}"/>
+                <a16:creationId xmlns:a16="http://schemas.microsoft.com/office/drawing/2014/main" id="{FEF9228C-9594-F617-67E2-231C712594AF}"/>
               </a:ext>
             </a:extLst>
           </p:cNvPr>
@@ -2196,7 +2196,7 @@
           <p:cNvPr id="3" name="内容占位符 2">
             <a:extLst>
               <a:ext uri="{FF2B5EF4-FFF2-40B4-BE49-F238E27FC236}">
-                <a16:creationId xmlns:a16="http://schemas.microsoft.com/office/drawing/2014/main" id="{33EF56E8-B04B-9AB7-E681-A436F774F81D}"/>
+                <a16:creationId xmlns:a16="http://schemas.microsoft.com/office/drawing/2014/main" id="{A1720B8A-F460-53AC-0F57-72BB8B197593}"/>
               </a:ext>
             </a:extLst>
           </p:cNvPr>
@@ -2286,7 +2286,7 @@
           <p:cNvPr id="4" name="文本占位符 3">
             <a:extLst>
               <a:ext uri="{FF2B5EF4-FFF2-40B4-BE49-F238E27FC236}">
-                <a16:creationId xmlns:a16="http://schemas.microsoft.com/office/drawing/2014/main" id="{0D17E03A-44C8-9D7F-46A0-FBBED75D51C1}"/>
+                <a16:creationId xmlns:a16="http://schemas.microsoft.com/office/drawing/2014/main" id="{9B745147-CF30-990B-D026-32E1B4808C99}"/>
               </a:ext>
             </a:extLst>
           </p:cNvPr>
@@ -2357,7 +2357,7 @@
           <p:cNvPr id="5" name="日期占位符 4">
             <a:extLst>
               <a:ext uri="{FF2B5EF4-FFF2-40B4-BE49-F238E27FC236}">
-                <a16:creationId xmlns:a16="http://schemas.microsoft.com/office/drawing/2014/main" id="{5B930CD6-4B7A-7932-AE3C-F0D9C7D4F737}"/>
+                <a16:creationId xmlns:a16="http://schemas.microsoft.com/office/drawing/2014/main" id="{A8374526-7C84-DC4F-C00C-C2635EEEE3D7}"/>
               </a:ext>
             </a:extLst>
           </p:cNvPr>
@@ -2373,7 +2373,7 @@
           <a:bodyPr/>
           <a:lstStyle/>
           <a:p>
-            <a:fld id="{A27FBDC4-36B4-4BB0-9892-1B10F46E9EED}" type="datetimeFigureOut">
+            <a:fld id="{2ADAB49A-B5E0-43AC-A6FF-C128E0463F1A}" type="datetimeFigureOut">
               <a:rPr lang="zh-CN" altLang="en-US" smtClean="0"/>
               <a:t>2024/3/10</a:t>
             </a:fld>
@@ -2386,7 +2386,7 @@
           <p:cNvPr id="6" name="页脚占位符 5">
             <a:extLst>
               <a:ext uri="{FF2B5EF4-FFF2-40B4-BE49-F238E27FC236}">
-                <a16:creationId xmlns:a16="http://schemas.microsoft.com/office/drawing/2014/main" id="{DF8065DE-C361-F420-E3FE-F9A263D7350B}"/>
+                <a16:creationId xmlns:a16="http://schemas.microsoft.com/office/drawing/2014/main" id="{9C826D11-C5BA-E5C2-B5DE-9A6C6034374C}"/>
               </a:ext>
             </a:extLst>
           </p:cNvPr>
@@ -2411,7 +2411,7 @@
           <p:cNvPr id="7" name="灯片编号占位符 6">
             <a:extLst>
               <a:ext uri="{FF2B5EF4-FFF2-40B4-BE49-F238E27FC236}">
-                <a16:creationId xmlns:a16="http://schemas.microsoft.com/office/drawing/2014/main" id="{9430EE45-52E2-B3AB-EFC1-CFF3F88F64FC}"/>
+                <a16:creationId xmlns:a16="http://schemas.microsoft.com/office/drawing/2014/main" id="{D4C223AC-D76E-1969-9F05-091430F6D03E}"/>
               </a:ext>
             </a:extLst>
           </p:cNvPr>
@@ -2427,7 +2427,7 @@
           <a:bodyPr/>
           <a:lstStyle/>
           <a:p>
-            <a:fld id="{299E0C54-A230-4169-A912-4A6BDD86A7A0}" type="slidenum">
+            <a:fld id="{335FFD86-414F-4512-9ED3-5CCB0F3158AB}" type="slidenum">
               <a:rPr lang="zh-CN" altLang="en-US" smtClean="0"/>
               <a:t>‹#›</a:t>
             </a:fld>
@@ -2438,7 +2438,7 @@
     </p:spTree>
     <p:extLst>
       <p:ext uri="{BB962C8B-B14F-4D97-AF65-F5344CB8AC3E}">
-        <p14:creationId xmlns:p14="http://schemas.microsoft.com/office/powerpoint/2010/main" val="399635626"/>
+        <p14:creationId xmlns:p14="http://schemas.microsoft.com/office/powerpoint/2010/main" val="1415472503"/>
       </p:ext>
     </p:extLst>
   </p:cSld>
@@ -2470,7 +2470,7 @@
           <p:cNvPr id="2" name="标题 1">
             <a:extLst>
               <a:ext uri="{FF2B5EF4-FFF2-40B4-BE49-F238E27FC236}">
-                <a16:creationId xmlns:a16="http://schemas.microsoft.com/office/drawing/2014/main" id="{7E39F691-F2DD-0C3B-5783-ACC903BC4A04}"/>
+                <a16:creationId xmlns:a16="http://schemas.microsoft.com/office/drawing/2014/main" id="{22995223-B0E4-E6EA-7501-4F17EC932508}"/>
               </a:ext>
             </a:extLst>
           </p:cNvPr>
@@ -2507,7 +2507,7 @@
           <p:cNvPr id="3" name="图片占位符 2">
             <a:extLst>
               <a:ext uri="{FF2B5EF4-FFF2-40B4-BE49-F238E27FC236}">
-                <a16:creationId xmlns:a16="http://schemas.microsoft.com/office/drawing/2014/main" id="{13CE78F0-29D8-5F43-DAB0-D493BB752C0E}"/>
+                <a16:creationId xmlns:a16="http://schemas.microsoft.com/office/drawing/2014/main" id="{2535FA91-1D50-47C1-5141-95105330BDD4}"/>
               </a:ext>
             </a:extLst>
           </p:cNvPr>
@@ -2574,7 +2574,7 @@
           <p:cNvPr id="4" name="文本占位符 3">
             <a:extLst>
               <a:ext uri="{FF2B5EF4-FFF2-40B4-BE49-F238E27FC236}">
-                <a16:creationId xmlns:a16="http://schemas.microsoft.com/office/drawing/2014/main" id="{6A6B9160-B00D-E684-987B-54DDE69A0DAE}"/>
+                <a16:creationId xmlns:a16="http://schemas.microsoft.com/office/drawing/2014/main" id="{85FE3C7C-C5C6-35CA-5604-98B2D41B8157}"/>
               </a:ext>
             </a:extLst>
           </p:cNvPr>
@@ -2645,7 +2645,7 @@
           <p:cNvPr id="5" name="日期占位符 4">
             <a:extLst>
               <a:ext uri="{FF2B5EF4-FFF2-40B4-BE49-F238E27FC236}">
-                <a16:creationId xmlns:a16="http://schemas.microsoft.com/office/drawing/2014/main" id="{A0EDCC11-D172-1C5B-BA07-C448E402C8AB}"/>
+                <a16:creationId xmlns:a16="http://schemas.microsoft.com/office/drawing/2014/main" id="{A214E748-6F55-3162-5036-79F26B9F6027}"/>
               </a:ext>
             </a:extLst>
           </p:cNvPr>
@@ -2661,7 +2661,7 @@
           <a:bodyPr/>
           <a:lstStyle/>
           <a:p>
-            <a:fld id="{A27FBDC4-36B4-4BB0-9892-1B10F46E9EED}" type="datetimeFigureOut">
+            <a:fld id="{2ADAB49A-B5E0-43AC-A6FF-C128E0463F1A}" type="datetimeFigureOut">
               <a:rPr lang="zh-CN" altLang="en-US" smtClean="0"/>
               <a:t>2024/3/10</a:t>
             </a:fld>
@@ -2674,7 +2674,7 @@
           <p:cNvPr id="6" name="页脚占位符 5">
             <a:extLst>
               <a:ext uri="{FF2B5EF4-FFF2-40B4-BE49-F238E27FC236}">
-                <a16:creationId xmlns:a16="http://schemas.microsoft.com/office/drawing/2014/main" id="{2F420112-EB22-0A16-61BC-F63A82627275}"/>
+                <a16:creationId xmlns:a16="http://schemas.microsoft.com/office/drawing/2014/main" id="{6467F626-BB3D-BACC-6CAA-684F16050065}"/>
               </a:ext>
             </a:extLst>
           </p:cNvPr>
@@ -2699,7 +2699,7 @@
           <p:cNvPr id="7" name="灯片编号占位符 6">
             <a:extLst>
               <a:ext uri="{FF2B5EF4-FFF2-40B4-BE49-F238E27FC236}">
-                <a16:creationId xmlns:a16="http://schemas.microsoft.com/office/drawing/2014/main" id="{B71DA94E-96A9-A35A-B3ED-FC020E5FB1D2}"/>
+                <a16:creationId xmlns:a16="http://schemas.microsoft.com/office/drawing/2014/main" id="{C6613EDB-C1F9-9364-0C8A-E0E13E0D8492}"/>
               </a:ext>
             </a:extLst>
           </p:cNvPr>
@@ -2715,7 +2715,7 @@
           <a:bodyPr/>
           <a:lstStyle/>
           <a:p>
-            <a:fld id="{299E0C54-A230-4169-A912-4A6BDD86A7A0}" type="slidenum">
+            <a:fld id="{335FFD86-414F-4512-9ED3-5CCB0F3158AB}" type="slidenum">
               <a:rPr lang="zh-CN" altLang="en-US" smtClean="0"/>
               <a:t>‹#›</a:t>
             </a:fld>
@@ -2726,7 +2726,7 @@
     </p:spTree>
     <p:extLst>
       <p:ext uri="{BB962C8B-B14F-4D97-AF65-F5344CB8AC3E}">
-        <p14:creationId xmlns:p14="http://schemas.microsoft.com/office/powerpoint/2010/main" val="2203209048"/>
+        <p14:creationId xmlns:p14="http://schemas.microsoft.com/office/powerpoint/2010/main" val="910545130"/>
       </p:ext>
     </p:extLst>
   </p:cSld>
@@ -2763,7 +2763,7 @@
           <p:cNvPr id="2" name="标题占位符 1">
             <a:extLst>
               <a:ext uri="{FF2B5EF4-FFF2-40B4-BE49-F238E27FC236}">
-                <a16:creationId xmlns:a16="http://schemas.microsoft.com/office/drawing/2014/main" id="{4F4CA5B2-3E1C-ED1B-A19F-19B362E1CEDA}"/>
+                <a16:creationId xmlns:a16="http://schemas.microsoft.com/office/drawing/2014/main" id="{3B006012-DD6F-6CC9-E258-8F3234AF39DF}"/>
               </a:ext>
             </a:extLst>
           </p:cNvPr>
@@ -2801,7 +2801,7 @@
           <p:cNvPr id="3" name="文本占位符 2">
             <a:extLst>
               <a:ext uri="{FF2B5EF4-FFF2-40B4-BE49-F238E27FC236}">
-                <a16:creationId xmlns:a16="http://schemas.microsoft.com/office/drawing/2014/main" id="{BD27C78A-3C4A-314A-6265-898C32415FE7}"/>
+                <a16:creationId xmlns:a16="http://schemas.microsoft.com/office/drawing/2014/main" id="{8B406EB8-740D-7C54-A5A4-6053F08E8510}"/>
               </a:ext>
             </a:extLst>
           </p:cNvPr>
@@ -2868,7 +2868,7 @@
           <p:cNvPr id="4" name="日期占位符 3">
             <a:extLst>
               <a:ext uri="{FF2B5EF4-FFF2-40B4-BE49-F238E27FC236}">
-                <a16:creationId xmlns:a16="http://schemas.microsoft.com/office/drawing/2014/main" id="{60AC7293-472F-1140-8EA1-3DA9465CFBC2}"/>
+                <a16:creationId xmlns:a16="http://schemas.microsoft.com/office/drawing/2014/main" id="{30DF6707-8E97-D2F1-C082-057D025D5293}"/>
               </a:ext>
             </a:extLst>
           </p:cNvPr>
@@ -2902,7 +2902,7 @@
             </a:lvl1pPr>
           </a:lstStyle>
           <a:p>
-            <a:fld id="{A27FBDC4-36B4-4BB0-9892-1B10F46E9EED}" type="datetimeFigureOut">
+            <a:fld id="{2ADAB49A-B5E0-43AC-A6FF-C128E0463F1A}" type="datetimeFigureOut">
               <a:rPr lang="zh-CN" altLang="en-US" smtClean="0"/>
               <a:t>2024/3/10</a:t>
             </a:fld>
@@ -2915,7 +2915,7 @@
           <p:cNvPr id="5" name="页脚占位符 4">
             <a:extLst>
               <a:ext uri="{FF2B5EF4-FFF2-40B4-BE49-F238E27FC236}">
-                <a16:creationId xmlns:a16="http://schemas.microsoft.com/office/drawing/2014/main" id="{FB7F66CD-A327-54F2-4AD9-B4678D2751A1}"/>
+                <a16:creationId xmlns:a16="http://schemas.microsoft.com/office/drawing/2014/main" id="{B7AA45C4-4548-698B-A7D0-2F043A752DC0}"/>
               </a:ext>
             </a:extLst>
           </p:cNvPr>
@@ -2958,7 +2958,7 @@
           <p:cNvPr id="6" name="灯片编号占位符 5">
             <a:extLst>
               <a:ext uri="{FF2B5EF4-FFF2-40B4-BE49-F238E27FC236}">
-                <a16:creationId xmlns:a16="http://schemas.microsoft.com/office/drawing/2014/main" id="{98F6FBB6-1E2C-019B-19FD-033A0D1F2FE3}"/>
+                <a16:creationId xmlns:a16="http://schemas.microsoft.com/office/drawing/2014/main" id="{9555ECC2-0945-491B-8D46-C13E7FA6B86F}"/>
               </a:ext>
             </a:extLst>
           </p:cNvPr>
@@ -2992,7 +2992,7 @@
             </a:lvl1pPr>
           </a:lstStyle>
           <a:p>
-            <a:fld id="{299E0C54-A230-4169-A912-4A6BDD86A7A0}" type="slidenum">
+            <a:fld id="{335FFD86-414F-4512-9ED3-5CCB0F3158AB}" type="slidenum">
               <a:rPr lang="zh-CN" altLang="en-US" smtClean="0"/>
               <a:t>‹#›</a:t>
             </a:fld>
@@ -3003,7 +3003,7 @@
     </p:spTree>
     <p:extLst>
       <p:ext uri="{BB962C8B-B14F-4D97-AF65-F5344CB8AC3E}">
-        <p14:creationId xmlns:p14="http://schemas.microsoft.com/office/powerpoint/2010/main" val="3142237181"/>
+        <p14:creationId xmlns:p14="http://schemas.microsoft.com/office/powerpoint/2010/main" val="3028254138"/>
       </p:ext>
     </p:extLst>
   </p:cSld>
@@ -3323,7 +3323,7 @@
       </p:grpSpPr>
       <p:pic>
         <p:nvPicPr>
-          <p:cNvPr id="1138690" name="Picture 2" descr="1111"/>
+          <p:cNvPr id="1139714" name="Picture 2" descr="1112"/>
           <p:cNvPicPr>
             <a:picLocks noChangeAspect="1" noChangeArrowheads="1"/>
           </p:cNvPicPr>
